--- a/Slides/Rami Mounla - How to enhance that UI with PCF - 300 GPPB Wellington.pptx
+++ b/Slides/Rami Mounla - How to enhance that UI with PCF - 300 GPPB Wellington.pptx
@@ -212,7 +212,7 @@
           <a:p>
             <a:fld id="{92E7C815-ED2C-4A30-8899-DEAAFD1DFCC4}" type="datetimeFigureOut">
               <a:rPr lang="en-AU" smtClean="0"/>
-              <a:t>7/02/2020</a:t>
+              <a:t>8/02/2020</a:t>
             </a:fld>
             <a:endParaRPr lang="en-AU"/>
           </a:p>
@@ -708,7 +708,7 @@
           <a:p>
             <a:fld id="{05F35E56-A3D2-45D8-BB04-21DD29FB9D02}" type="datetimeFigureOut">
               <a:rPr lang="en-AU" smtClean="0"/>
-              <a:t>7/02/2020</a:t>
+              <a:t>8/02/2020</a:t>
             </a:fld>
             <a:endParaRPr lang="en-AU"/>
           </a:p>
@@ -878,7 +878,7 @@
           <a:p>
             <a:fld id="{05F35E56-A3D2-45D8-BB04-21DD29FB9D02}" type="datetimeFigureOut">
               <a:rPr lang="en-AU" smtClean="0"/>
-              <a:t>7/02/2020</a:t>
+              <a:t>8/02/2020</a:t>
             </a:fld>
             <a:endParaRPr lang="en-AU"/>
           </a:p>
@@ -1058,7 +1058,7 @@
           <a:p>
             <a:fld id="{05F35E56-A3D2-45D8-BB04-21DD29FB9D02}" type="datetimeFigureOut">
               <a:rPr lang="en-AU" smtClean="0"/>
-              <a:t>7/02/2020</a:t>
+              <a:t>8/02/2020</a:t>
             </a:fld>
             <a:endParaRPr lang="en-AU"/>
           </a:p>
@@ -1384,7 +1384,7 @@
           <a:p>
             <a:fld id="{05F35E56-A3D2-45D8-BB04-21DD29FB9D02}" type="datetimeFigureOut">
               <a:rPr lang="en-AU" smtClean="0"/>
-              <a:t>7/02/2020</a:t>
+              <a:t>8/02/2020</a:t>
             </a:fld>
             <a:endParaRPr lang="en-AU"/>
           </a:p>
@@ -1630,7 +1630,7 @@
           <a:p>
             <a:fld id="{05F35E56-A3D2-45D8-BB04-21DD29FB9D02}" type="datetimeFigureOut">
               <a:rPr lang="en-AU" smtClean="0"/>
-              <a:t>7/02/2020</a:t>
+              <a:t>8/02/2020</a:t>
             </a:fld>
             <a:endParaRPr lang="en-AU"/>
           </a:p>
@@ -1862,7 +1862,7 @@
           <a:p>
             <a:fld id="{05F35E56-A3D2-45D8-BB04-21DD29FB9D02}" type="datetimeFigureOut">
               <a:rPr lang="en-AU" smtClean="0"/>
-              <a:t>7/02/2020</a:t>
+              <a:t>8/02/2020</a:t>
             </a:fld>
             <a:endParaRPr lang="en-AU"/>
           </a:p>
@@ -2229,7 +2229,7 @@
           <a:p>
             <a:fld id="{05F35E56-A3D2-45D8-BB04-21DD29FB9D02}" type="datetimeFigureOut">
               <a:rPr lang="en-AU" smtClean="0"/>
-              <a:t>7/02/2020</a:t>
+              <a:t>8/02/2020</a:t>
             </a:fld>
             <a:endParaRPr lang="en-AU"/>
           </a:p>
@@ -2347,7 +2347,7 @@
           <a:p>
             <a:fld id="{05F35E56-A3D2-45D8-BB04-21DD29FB9D02}" type="datetimeFigureOut">
               <a:rPr lang="en-AU" smtClean="0"/>
-              <a:t>7/02/2020</a:t>
+              <a:t>8/02/2020</a:t>
             </a:fld>
             <a:endParaRPr lang="en-AU"/>
           </a:p>
@@ -2442,7 +2442,7 @@
           <a:p>
             <a:fld id="{05F35E56-A3D2-45D8-BB04-21DD29FB9D02}" type="datetimeFigureOut">
               <a:rPr lang="en-AU" smtClean="0"/>
-              <a:t>7/02/2020</a:t>
+              <a:t>8/02/2020</a:t>
             </a:fld>
             <a:endParaRPr lang="en-AU"/>
           </a:p>
@@ -2719,7 +2719,7 @@
           <a:p>
             <a:fld id="{05F35E56-A3D2-45D8-BB04-21DD29FB9D02}" type="datetimeFigureOut">
               <a:rPr lang="en-AU" smtClean="0"/>
-              <a:t>7/02/2020</a:t>
+              <a:t>8/02/2020</a:t>
             </a:fld>
             <a:endParaRPr lang="en-AU"/>
           </a:p>
@@ -2976,7 +2976,7 @@
           <a:p>
             <a:fld id="{05F35E56-A3D2-45D8-BB04-21DD29FB9D02}" type="datetimeFigureOut">
               <a:rPr lang="en-AU" smtClean="0"/>
-              <a:t>7/02/2020</a:t>
+              <a:t>8/02/2020</a:t>
             </a:fld>
             <a:endParaRPr lang="en-AU"/>
           </a:p>
@@ -3198,7 +3198,7 @@
           <a:p>
             <a:fld id="{05F35E56-A3D2-45D8-BB04-21DD29FB9D02}" type="datetimeFigureOut">
               <a:rPr lang="en-AU" smtClean="0"/>
-              <a:t>7/02/2020</a:t>
+              <a:t>8/02/2020</a:t>
             </a:fld>
             <a:endParaRPr lang="en-AU"/>
           </a:p>
@@ -3641,12 +3641,16 @@
           <a:lstStyle/>
           <a:p>
             <a:r>
-              <a:rPr lang="en-AU" sz="3600" dirty="0">
+              <a:rPr lang="en-US" sz="3600" dirty="0">
                 <a:latin typeface="Segoe UI Light" panose="020B0502040204020203" pitchFamily="34" charset="0"/>
                 <a:cs typeface="Segoe UI Light" panose="020B0502040204020203" pitchFamily="34" charset="0"/>
               </a:rPr>
-              <a:t>Session Title</a:t>
-            </a:r>
+              <a:t>How to Enhance that UI with PCF</a:t>
+            </a:r>
+            <a:endParaRPr lang="en-AU" sz="3600" dirty="0">
+              <a:latin typeface="Segoe UI Light" panose="020B0502040204020203" pitchFamily="34" charset="0"/>
+              <a:cs typeface="Segoe UI Light" panose="020B0502040204020203" pitchFamily="34" charset="0"/>
+            </a:endParaRPr>
           </a:p>
         </p:txBody>
       </p:sp>
@@ -3684,7 +3688,7 @@
                 <a:latin typeface="Segoe UI" panose="020B0502040204020203" pitchFamily="34" charset="0"/>
                 <a:cs typeface="Segoe UI" panose="020B0502040204020203" pitchFamily="34" charset="0"/>
               </a:rPr>
-              <a:t>Speaker Name</a:t>
+              <a:t>Rami Mounla</a:t>
             </a:r>
           </a:p>
         </p:txBody>
@@ -3704,7 +3708,7 @@
         <p:spPr>
           <a:xfrm>
             <a:off x="959139" y="5031905"/>
-            <a:ext cx="3695114" cy="369332"/>
+            <a:ext cx="4481483" cy="369332"/>
           </a:xfrm>
           <a:prstGeom prst="rect">
             <a:avLst/>
@@ -3727,8 +3731,29 @@
                 <a:latin typeface="Segoe UI Light" panose="020B0502040204020203" pitchFamily="34" charset="0"/>
                 <a:cs typeface="Segoe UI Light" panose="020B0502040204020203" pitchFamily="34" charset="0"/>
               </a:rPr>
-              <a:t>Title | Product | Company &amp; Country</a:t>
-            </a:r>
+              <a:t>Solution Architect | Power Platform </a:t>
+            </a:r>
+            <a:r>
+              <a:rPr lang="en-AU">
+                <a:solidFill>
+                  <a:schemeClr val="bg2">
+                    <a:lumMod val="75000"/>
+                  </a:schemeClr>
+                </a:solidFill>
+                <a:latin typeface="Segoe UI Light" panose="020B0502040204020203" pitchFamily="34" charset="0"/>
+                <a:cs typeface="Segoe UI Light" panose="020B0502040204020203" pitchFamily="34" charset="0"/>
+              </a:rPr>
+              <a:t>| DXC NZ</a:t>
+            </a:r>
+            <a:endParaRPr lang="en-AU" dirty="0">
+              <a:solidFill>
+                <a:schemeClr val="bg2">
+                  <a:lumMod val="75000"/>
+                </a:schemeClr>
+              </a:solidFill>
+              <a:latin typeface="Segoe UI Light" panose="020B0502040204020203" pitchFamily="34" charset="0"/>
+              <a:cs typeface="Segoe UI Light" panose="020B0502040204020203" pitchFamily="34" charset="0"/>
+            </a:endParaRPr>
           </a:p>
         </p:txBody>
       </p:sp>

--- a/Slides/Rami Mounla - How to enhance that UI with PCF - 300 GPPB Wellington.pptx
+++ b/Slides/Rami Mounla - How to enhance that UI with PCF - 300 GPPB Wellington.pptx
@@ -5,13 +5,21 @@
     <p:sldMasterId id="2147483697" r:id="rId1"/>
   </p:sldMasterIdLst>
   <p:notesMasterIdLst>
-    <p:notesMasterId r:id="rId6"/>
+    <p:notesMasterId r:id="rId14"/>
   </p:notesMasterIdLst>
   <p:sldIdLst>
     <p:sldId id="275" r:id="rId2"/>
-    <p:sldId id="276" r:id="rId3"/>
-    <p:sldId id="277" r:id="rId4"/>
-    <p:sldId id="259" r:id="rId5"/>
+    <p:sldId id="278" r:id="rId3"/>
+    <p:sldId id="279" r:id="rId4"/>
+    <p:sldId id="280" r:id="rId5"/>
+    <p:sldId id="281" r:id="rId6"/>
+    <p:sldId id="282" r:id="rId7"/>
+    <p:sldId id="285" r:id="rId8"/>
+    <p:sldId id="283" r:id="rId9"/>
+    <p:sldId id="284" r:id="rId10"/>
+    <p:sldId id="276" r:id="rId11"/>
+    <p:sldId id="277" r:id="rId12"/>
+    <p:sldId id="259" r:id="rId13"/>
   </p:sldIdLst>
   <p:sldSz cx="12192000" cy="6858000"/>
   <p:notesSz cx="6858000" cy="9144000"/>
@@ -3842,6 +3850,288 @@
 </p:sld>
 </file>
 
+<file path=ppt/slides/slide10.xml><?xml version="1.0" encoding="utf-8"?>
+<p:sld xmlns:a="http://schemas.openxmlformats.org/drawingml/2006/main" xmlns:r="http://schemas.openxmlformats.org/officeDocument/2006/relationships" xmlns:p="http://schemas.openxmlformats.org/presentationml/2006/main">
+  <p:cSld>
+    <p:spTree>
+      <p:nvGrpSpPr>
+        <p:cNvPr id="1" name=""/>
+        <p:cNvGrpSpPr/>
+        <p:nvPr/>
+      </p:nvGrpSpPr>
+      <p:grpSpPr>
+        <a:xfrm>
+          <a:off x="0" y="0"/>
+          <a:ext cx="0" cy="0"/>
+          <a:chOff x="0" y="0"/>
+          <a:chExt cx="0" cy="0"/>
+        </a:xfrm>
+      </p:grpSpPr>
+      <p:sp>
+        <p:nvSpPr>
+          <p:cNvPr id="2" name="Title 1">
+            <a:extLst>
+              <a:ext uri="{FF2B5EF4-FFF2-40B4-BE49-F238E27FC236}">
+                <a16:creationId xmlns:a16="http://schemas.microsoft.com/office/drawing/2014/main" id="{59766BB8-3838-4B30-AB6C-2941E0260C84}"/>
+              </a:ext>
+            </a:extLst>
+          </p:cNvPr>
+          <p:cNvSpPr>
+            <a:spLocks noGrp="1"/>
+          </p:cNvSpPr>
+          <p:nvPr>
+            <p:ph type="title"/>
+          </p:nvPr>
+        </p:nvSpPr>
+        <p:spPr/>
+        <p:txBody>
+          <a:bodyPr/>
+          <a:lstStyle/>
+          <a:p>
+            <a:r>
+              <a:rPr lang="en-NZ" dirty="0"/>
+              <a:t>What is PCF</a:t>
+            </a:r>
+          </a:p>
+        </p:txBody>
+      </p:sp>
+      <p:sp>
+        <p:nvSpPr>
+          <p:cNvPr id="3" name="Content Placeholder 2">
+            <a:extLst>
+              <a:ext uri="{FF2B5EF4-FFF2-40B4-BE49-F238E27FC236}">
+                <a16:creationId xmlns:a16="http://schemas.microsoft.com/office/drawing/2014/main" id="{05E8D7DD-C0BF-411A-81EF-AD51B840566E}"/>
+              </a:ext>
+            </a:extLst>
+          </p:cNvPr>
+          <p:cNvSpPr>
+            <a:spLocks noGrp="1"/>
+          </p:cNvSpPr>
+          <p:nvPr>
+            <p:ph idx="1"/>
+          </p:nvPr>
+        </p:nvSpPr>
+        <p:spPr/>
+        <p:txBody>
+          <a:bodyPr/>
+          <a:lstStyle/>
+          <a:p>
+            <a:endParaRPr lang="en-NZ" dirty="0"/>
+          </a:p>
+        </p:txBody>
+      </p:sp>
+    </p:spTree>
+    <p:extLst>
+      <p:ext uri="{BB962C8B-B14F-4D97-AF65-F5344CB8AC3E}">
+        <p14:creationId xmlns:p14="http://schemas.microsoft.com/office/powerpoint/2010/main" val="2330935862"/>
+      </p:ext>
+    </p:extLst>
+  </p:cSld>
+  <p:clrMapOvr>
+    <a:masterClrMapping/>
+  </p:clrMapOvr>
+</p:sld>
+</file>
+
+<file path=ppt/slides/slide11.xml><?xml version="1.0" encoding="utf-8"?>
+<p:sld xmlns:a="http://schemas.openxmlformats.org/drawingml/2006/main" xmlns:r="http://schemas.openxmlformats.org/officeDocument/2006/relationships" xmlns:p="http://schemas.openxmlformats.org/presentationml/2006/main">
+  <p:cSld>
+    <p:spTree>
+      <p:nvGrpSpPr>
+        <p:cNvPr id="1" name=""/>
+        <p:cNvGrpSpPr/>
+        <p:nvPr/>
+      </p:nvGrpSpPr>
+      <p:grpSpPr>
+        <a:xfrm>
+          <a:off x="0" y="0"/>
+          <a:ext cx="0" cy="0"/>
+          <a:chOff x="0" y="0"/>
+          <a:chExt cx="0" cy="0"/>
+        </a:xfrm>
+      </p:grpSpPr>
+      <p:sp>
+        <p:nvSpPr>
+          <p:cNvPr id="2" name="Title 1">
+            <a:extLst>
+              <a:ext uri="{FF2B5EF4-FFF2-40B4-BE49-F238E27FC236}">
+                <a16:creationId xmlns:a16="http://schemas.microsoft.com/office/drawing/2014/main" id="{A986489C-56B2-4112-83F6-AE3F3DB28305}"/>
+              </a:ext>
+            </a:extLst>
+          </p:cNvPr>
+          <p:cNvSpPr>
+            <a:spLocks noGrp="1"/>
+          </p:cNvSpPr>
+          <p:nvPr>
+            <p:ph type="title"/>
+          </p:nvPr>
+        </p:nvSpPr>
+        <p:spPr/>
+        <p:txBody>
+          <a:bodyPr/>
+          <a:lstStyle/>
+          <a:p>
+            <a:r>
+              <a:rPr lang="en-NZ" dirty="0"/>
+              <a:t>Useful links</a:t>
+            </a:r>
+          </a:p>
+        </p:txBody>
+      </p:sp>
+      <p:sp>
+        <p:nvSpPr>
+          <p:cNvPr id="3" name="Content Placeholder 2">
+            <a:extLst>
+              <a:ext uri="{FF2B5EF4-FFF2-40B4-BE49-F238E27FC236}">
+                <a16:creationId xmlns:a16="http://schemas.microsoft.com/office/drawing/2014/main" id="{43295DA7-1E9F-4CC9-8A76-0FEF18EEBEB6}"/>
+              </a:ext>
+            </a:extLst>
+          </p:cNvPr>
+          <p:cNvSpPr>
+            <a:spLocks noGrp="1"/>
+          </p:cNvSpPr>
+          <p:nvPr>
+            <p:ph idx="1"/>
+          </p:nvPr>
+        </p:nvSpPr>
+        <p:spPr/>
+        <p:txBody>
+          <a:bodyPr/>
+          <a:lstStyle/>
+          <a:p>
+            <a:r>
+              <a:rPr lang="en-NZ" dirty="0">
+                <a:hlinkClick r:id="rId2"/>
+              </a:rPr>
+              <a:t>https://github.com/ramimounla</a:t>
+            </a:r>
+            <a:endParaRPr lang="en-NZ" dirty="0"/>
+          </a:p>
+        </p:txBody>
+      </p:sp>
+    </p:spTree>
+    <p:extLst>
+      <p:ext uri="{BB962C8B-B14F-4D97-AF65-F5344CB8AC3E}">
+        <p14:creationId xmlns:p14="http://schemas.microsoft.com/office/powerpoint/2010/main" val="1136534001"/>
+      </p:ext>
+    </p:extLst>
+  </p:cSld>
+  <p:clrMapOvr>
+    <a:masterClrMapping/>
+  </p:clrMapOvr>
+</p:sld>
+</file>
+
+<file path=ppt/slides/slide12.xml><?xml version="1.0" encoding="utf-8"?>
+<p:sld xmlns:a="http://schemas.openxmlformats.org/drawingml/2006/main" xmlns:r="http://schemas.openxmlformats.org/officeDocument/2006/relationships" xmlns:p="http://schemas.openxmlformats.org/presentationml/2006/main">
+  <p:cSld>
+    <p:bg>
+      <p:bgPr>
+        <a:solidFill>
+          <a:schemeClr val="bg1"/>
+        </a:solidFill>
+        <a:effectLst/>
+      </p:bgPr>
+    </p:bg>
+    <p:spTree>
+      <p:nvGrpSpPr>
+        <p:cNvPr id="1" name=""/>
+        <p:cNvGrpSpPr/>
+        <p:nvPr/>
+      </p:nvGrpSpPr>
+      <p:grpSpPr>
+        <a:xfrm>
+          <a:off x="0" y="0"/>
+          <a:ext cx="0" cy="0"/>
+          <a:chOff x="0" y="0"/>
+          <a:chExt cx="0" cy="0"/>
+        </a:xfrm>
+      </p:grpSpPr>
+      <p:sp>
+        <p:nvSpPr>
+          <p:cNvPr id="2" name="Title 1">
+            <a:extLst>
+              <a:ext uri="{FF2B5EF4-FFF2-40B4-BE49-F238E27FC236}">
+                <a16:creationId xmlns:a16="http://schemas.microsoft.com/office/drawing/2014/main" id="{40B0BBAE-4C33-4034-B855-9B2814C8FA31}"/>
+              </a:ext>
+            </a:extLst>
+          </p:cNvPr>
+          <p:cNvSpPr>
+            <a:spLocks noGrp="1"/>
+          </p:cNvSpPr>
+          <p:nvPr>
+            <p:ph type="title"/>
+          </p:nvPr>
+        </p:nvSpPr>
+        <p:spPr>
+          <a:xfrm>
+            <a:off x="838200" y="227838"/>
+            <a:ext cx="10515600" cy="1325563"/>
+          </a:xfrm>
+        </p:spPr>
+        <p:txBody>
+          <a:bodyPr/>
+          <a:lstStyle/>
+          <a:p>
+            <a:pPr algn="ctr"/>
+            <a:r>
+              <a:rPr lang="en-AU" dirty="0">
+                <a:latin typeface="Segoe UI Light" panose="020B0502040204020203" pitchFamily="34" charset="0"/>
+                <a:cs typeface="Segoe UI Light" panose="020B0502040204020203" pitchFamily="34" charset="0"/>
+              </a:rPr>
+              <a:t>Thank you</a:t>
+            </a:r>
+          </a:p>
+        </p:txBody>
+      </p:sp>
+      <p:pic>
+        <p:nvPicPr>
+          <p:cNvPr id="6" name="Content Placeholder 5">
+            <a:extLst>
+              <a:ext uri="{FF2B5EF4-FFF2-40B4-BE49-F238E27FC236}">
+                <a16:creationId xmlns:a16="http://schemas.microsoft.com/office/drawing/2014/main" id="{E0E657AD-9437-4355-A8DB-6A51B690851E}"/>
+              </a:ext>
+            </a:extLst>
+          </p:cNvPr>
+          <p:cNvPicPr>
+            <a:picLocks noGrp="1" noChangeAspect="1"/>
+          </p:cNvPicPr>
+          <p:nvPr>
+            <p:ph idx="1"/>
+          </p:nvPr>
+        </p:nvPicPr>
+        <p:blipFill>
+          <a:blip r:embed="rId2">
+            <a:extLst>
+              <a:ext uri="{28A0092B-C50C-407E-A947-70E740481C1C}">
+                <a14:useLocalDpi xmlns:a14="http://schemas.microsoft.com/office/drawing/2010/main" val="0"/>
+              </a:ext>
+            </a:extLst>
+          </a:blip>
+          <a:stretch>
+            <a:fillRect/>
+          </a:stretch>
+        </p:blipFill>
+        <p:spPr>
+          <a:xfrm>
+            <a:off x="838200" y="2306224"/>
+            <a:ext cx="10515600" cy="2245551"/>
+          </a:xfrm>
+        </p:spPr>
+      </p:pic>
+    </p:spTree>
+    <p:extLst>
+      <p:ext uri="{BB962C8B-B14F-4D97-AF65-F5344CB8AC3E}">
+        <p14:creationId xmlns:p14="http://schemas.microsoft.com/office/powerpoint/2010/main" val="2925640950"/>
+      </p:ext>
+    </p:extLst>
+  </p:cSld>
+  <p:clrMapOvr>
+    <a:masterClrMapping/>
+  </p:clrMapOvr>
+</p:sld>
+</file>
+
 <file path=ppt/slides/slide2.xml><?xml version="1.0" encoding="utf-8"?>
 <p:sld xmlns:a="http://schemas.openxmlformats.org/drawingml/2006/main" xmlns:r="http://schemas.openxmlformats.org/officeDocument/2006/relationships" xmlns:p="http://schemas.openxmlformats.org/presentationml/2006/main">
   <p:cSld>
@@ -3861,10 +4151,10 @@
       </p:grpSpPr>
       <p:sp>
         <p:nvSpPr>
-          <p:cNvPr id="2" name="Title 1">
+          <p:cNvPr id="4" name="Title 3">
             <a:extLst>
               <a:ext uri="{FF2B5EF4-FFF2-40B4-BE49-F238E27FC236}">
-                <a16:creationId xmlns:a16="http://schemas.microsoft.com/office/drawing/2014/main" id="{59766BB8-3838-4B30-AB6C-2941E0260C84}"/>
+                <a16:creationId xmlns:a16="http://schemas.microsoft.com/office/drawing/2014/main" id="{DDC00E3E-D73D-48B9-804D-92F740C8A858}"/>
               </a:ext>
             </a:extLst>
           </p:cNvPr>
@@ -3880,16 +4170,19 @@
           <a:bodyPr/>
           <a:lstStyle/>
           <a:p>
-            <a:endParaRPr lang="en-NZ" dirty="0"/>
-          </a:p>
-        </p:txBody>
-      </p:sp>
-      <p:sp>
-        <p:nvSpPr>
-          <p:cNvPr id="3" name="Content Placeholder 2">
+            <a:r>
+              <a:rPr lang="en-NZ" dirty="0"/>
+              <a:t>You, Me, and the Power Platform</a:t>
+            </a:r>
+          </a:p>
+        </p:txBody>
+      </p:sp>
+      <p:sp>
+        <p:nvSpPr>
+          <p:cNvPr id="5" name="Text Placeholder 4">
             <a:extLst>
               <a:ext uri="{FF2B5EF4-FFF2-40B4-BE49-F238E27FC236}">
-                <a16:creationId xmlns:a16="http://schemas.microsoft.com/office/drawing/2014/main" id="{05E8D7DD-C0BF-411A-81EF-AD51B840566E}"/>
+                <a16:creationId xmlns:a16="http://schemas.microsoft.com/office/drawing/2014/main" id="{2255386B-3579-4F9D-BCEB-6E145DFA4F9F}"/>
               </a:ext>
             </a:extLst>
           </p:cNvPr>
@@ -3897,22 +4190,22 @@
             <a:spLocks noGrp="1"/>
           </p:cNvSpPr>
           <p:nvPr>
-            <p:ph idx="1"/>
-          </p:nvPr>
-        </p:nvSpPr>
-        <p:spPr/>
-        <p:txBody>
-          <a:bodyPr/>
-          <a:lstStyle/>
-          <a:p>
-            <a:endParaRPr lang="en-NZ" dirty="0"/>
+            <p:ph type="body" idx="1"/>
+          </p:nvPr>
+        </p:nvSpPr>
+        <p:spPr/>
+        <p:txBody>
+          <a:bodyPr/>
+          <a:lstStyle/>
+          <a:p>
+            <a:endParaRPr lang="en-NZ"/>
           </a:p>
         </p:txBody>
       </p:sp>
     </p:spTree>
     <p:extLst>
       <p:ext uri="{BB962C8B-B14F-4D97-AF65-F5344CB8AC3E}">
-        <p14:creationId xmlns:p14="http://schemas.microsoft.com/office/powerpoint/2010/main" val="2330935862"/>
+        <p14:creationId xmlns:p14="http://schemas.microsoft.com/office/powerpoint/2010/main" val="1425141625"/>
       </p:ext>
     </p:extLst>
   </p:cSld>
@@ -3944,7 +4237,7 @@
           <p:cNvPr id="2" name="Title 1">
             <a:extLst>
               <a:ext uri="{FF2B5EF4-FFF2-40B4-BE49-F238E27FC236}">
-                <a16:creationId xmlns:a16="http://schemas.microsoft.com/office/drawing/2014/main" id="{A986489C-56B2-4112-83F6-AE3F3DB28305}"/>
+                <a16:creationId xmlns:a16="http://schemas.microsoft.com/office/drawing/2014/main" id="{755A687A-B3FB-4D16-8E00-6CD2539E9BB2}"/>
               </a:ext>
             </a:extLst>
           </p:cNvPr>
@@ -3960,16 +4253,19 @@
           <a:bodyPr/>
           <a:lstStyle/>
           <a:p>
-            <a:endParaRPr lang="en-NZ"/>
-          </a:p>
-        </p:txBody>
-      </p:sp>
-      <p:sp>
-        <p:nvSpPr>
-          <p:cNvPr id="3" name="Content Placeholder 2">
+            <a:r>
+              <a:rPr lang="en-NZ" dirty="0"/>
+              <a:t>What is the Power Platform Component Framework?</a:t>
+            </a:r>
+          </a:p>
+        </p:txBody>
+      </p:sp>
+      <p:sp>
+        <p:nvSpPr>
+          <p:cNvPr id="3" name="Text Placeholder 2">
             <a:extLst>
               <a:ext uri="{FF2B5EF4-FFF2-40B4-BE49-F238E27FC236}">
-                <a16:creationId xmlns:a16="http://schemas.microsoft.com/office/drawing/2014/main" id="{43295DA7-1E9F-4CC9-8A76-0FEF18EEBEB6}"/>
+                <a16:creationId xmlns:a16="http://schemas.microsoft.com/office/drawing/2014/main" id="{D0253C7D-CE77-406A-BAF3-148602B8EB4A}"/>
               </a:ext>
             </a:extLst>
           </p:cNvPr>
@@ -3977,7 +4273,7 @@
             <a:spLocks noGrp="1"/>
           </p:cNvSpPr>
           <p:nvPr>
-            <p:ph idx="1"/>
+            <p:ph type="body" idx="1"/>
           </p:nvPr>
         </p:nvSpPr>
         <p:spPr/>
@@ -3992,7 +4288,7 @@
     </p:spTree>
     <p:extLst>
       <p:ext uri="{BB962C8B-B14F-4D97-AF65-F5344CB8AC3E}">
-        <p14:creationId xmlns:p14="http://schemas.microsoft.com/office/powerpoint/2010/main" val="1136534001"/>
+        <p14:creationId xmlns:p14="http://schemas.microsoft.com/office/powerpoint/2010/main" val="1177642707"/>
       </p:ext>
     </p:extLst>
   </p:cSld>
@@ -4005,14 +4301,6 @@
 <file path=ppt/slides/slide4.xml><?xml version="1.0" encoding="utf-8"?>
 <p:sld xmlns:a="http://schemas.openxmlformats.org/drawingml/2006/main" xmlns:r="http://schemas.openxmlformats.org/officeDocument/2006/relationships" xmlns:p="http://schemas.openxmlformats.org/presentationml/2006/main">
   <p:cSld>
-    <p:bg>
-      <p:bgPr>
-        <a:solidFill>
-          <a:schemeClr val="bg1"/>
-        </a:solidFill>
-        <a:effectLst/>
-      </p:bgPr>
-    </p:bg>
     <p:spTree>
       <p:nvGrpSpPr>
         <p:cNvPr id="1" name=""/>
@@ -4032,7 +4320,7 @@
           <p:cNvPr id="2" name="Title 1">
             <a:extLst>
               <a:ext uri="{FF2B5EF4-FFF2-40B4-BE49-F238E27FC236}">
-                <a16:creationId xmlns:a16="http://schemas.microsoft.com/office/drawing/2014/main" id="{40B0BBAE-4C33-4034-B855-9B2814C8FA31}"/>
+                <a16:creationId xmlns:a16="http://schemas.microsoft.com/office/drawing/2014/main" id="{48AAB36B-5CB0-4AFB-9052-07F9A6ACD71A}"/>
               </a:ext>
             </a:extLst>
           </p:cNvPr>
@@ -4043,66 +4331,502 @@
             <p:ph type="title"/>
           </p:nvPr>
         </p:nvSpPr>
-        <p:spPr>
-          <a:xfrm>
-            <a:off x="838200" y="227838"/>
-            <a:ext cx="10515600" cy="1325563"/>
-          </a:xfrm>
-        </p:spPr>
-        <p:txBody>
-          <a:bodyPr/>
-          <a:lstStyle/>
-          <a:p>
-            <a:pPr algn="ctr"/>
-            <a:r>
-              <a:rPr lang="en-AU" dirty="0">
-                <a:latin typeface="Segoe UI Light" panose="020B0502040204020203" pitchFamily="34" charset="0"/>
-                <a:cs typeface="Segoe UI Light" panose="020B0502040204020203" pitchFamily="34" charset="0"/>
-              </a:rPr>
-              <a:t>Thank you</a:t>
-            </a:r>
-          </a:p>
-        </p:txBody>
-      </p:sp>
-      <p:pic>
-        <p:nvPicPr>
-          <p:cNvPr id="6" name="Content Placeholder 5">
+        <p:spPr/>
+        <p:txBody>
+          <a:bodyPr/>
+          <a:lstStyle/>
+          <a:p>
+            <a:r>
+              <a:rPr lang="en-NZ" dirty="0"/>
+              <a:t>Examples</a:t>
+            </a:r>
+          </a:p>
+        </p:txBody>
+      </p:sp>
+      <p:sp>
+        <p:nvSpPr>
+          <p:cNvPr id="3" name="Text Placeholder 2">
             <a:extLst>
               <a:ext uri="{FF2B5EF4-FFF2-40B4-BE49-F238E27FC236}">
-                <a16:creationId xmlns:a16="http://schemas.microsoft.com/office/drawing/2014/main" id="{E0E657AD-9437-4355-A8DB-6A51B690851E}"/>
+                <a16:creationId xmlns:a16="http://schemas.microsoft.com/office/drawing/2014/main" id="{51554649-547C-488D-A9CD-3AD06B6902BE}"/>
               </a:ext>
             </a:extLst>
           </p:cNvPr>
-          <p:cNvPicPr>
-            <a:picLocks noGrp="1" noChangeAspect="1"/>
-          </p:cNvPicPr>
-          <p:nvPr>
-            <p:ph idx="1"/>
-          </p:nvPr>
-        </p:nvPicPr>
-        <p:blipFill>
-          <a:blip r:embed="rId2">
-            <a:extLst>
-              <a:ext uri="{28A0092B-C50C-407E-A947-70E740481C1C}">
-                <a14:useLocalDpi xmlns:a14="http://schemas.microsoft.com/office/drawing/2010/main" val="0"/>
-              </a:ext>
-            </a:extLst>
-          </a:blip>
-          <a:stretch>
-            <a:fillRect/>
-          </a:stretch>
-        </p:blipFill>
-        <p:spPr>
-          <a:xfrm>
-            <a:off x="838200" y="2306224"/>
-            <a:ext cx="10515600" cy="2245551"/>
-          </a:xfrm>
-        </p:spPr>
-      </p:pic>
+          <p:cNvSpPr>
+            <a:spLocks noGrp="1"/>
+          </p:cNvSpPr>
+          <p:nvPr>
+            <p:ph type="body" idx="1"/>
+          </p:nvPr>
+        </p:nvSpPr>
+        <p:spPr/>
+        <p:txBody>
+          <a:bodyPr/>
+          <a:lstStyle/>
+          <a:p>
+            <a:endParaRPr lang="en-NZ"/>
+          </a:p>
+        </p:txBody>
+      </p:sp>
     </p:spTree>
     <p:extLst>
       <p:ext uri="{BB962C8B-B14F-4D97-AF65-F5344CB8AC3E}">
-        <p14:creationId xmlns:p14="http://schemas.microsoft.com/office/powerpoint/2010/main" val="2925640950"/>
+        <p14:creationId xmlns:p14="http://schemas.microsoft.com/office/powerpoint/2010/main" val="3059745710"/>
+      </p:ext>
+    </p:extLst>
+  </p:cSld>
+  <p:clrMapOvr>
+    <a:masterClrMapping/>
+  </p:clrMapOvr>
+</p:sld>
+</file>
+
+<file path=ppt/slides/slide5.xml><?xml version="1.0" encoding="utf-8"?>
+<p:sld xmlns:a="http://schemas.openxmlformats.org/drawingml/2006/main" xmlns:r="http://schemas.openxmlformats.org/officeDocument/2006/relationships" xmlns:p="http://schemas.openxmlformats.org/presentationml/2006/main">
+  <p:cSld>
+    <p:spTree>
+      <p:nvGrpSpPr>
+        <p:cNvPr id="1" name=""/>
+        <p:cNvGrpSpPr/>
+        <p:nvPr/>
+      </p:nvGrpSpPr>
+      <p:grpSpPr>
+        <a:xfrm>
+          <a:off x="0" y="0"/>
+          <a:ext cx="0" cy="0"/>
+          <a:chOff x="0" y="0"/>
+          <a:chExt cx="0" cy="0"/>
+        </a:xfrm>
+      </p:grpSpPr>
+      <p:sp>
+        <p:nvSpPr>
+          <p:cNvPr id="2" name="Title 1">
+            <a:extLst>
+              <a:ext uri="{FF2B5EF4-FFF2-40B4-BE49-F238E27FC236}">
+                <a16:creationId xmlns:a16="http://schemas.microsoft.com/office/drawing/2014/main" id="{E03A8A1C-64B3-4F8B-9BDC-435736636505}"/>
+              </a:ext>
+            </a:extLst>
+          </p:cNvPr>
+          <p:cNvSpPr>
+            <a:spLocks noGrp="1"/>
+          </p:cNvSpPr>
+          <p:nvPr>
+            <p:ph type="title"/>
+          </p:nvPr>
+        </p:nvSpPr>
+        <p:spPr/>
+        <p:txBody>
+          <a:bodyPr/>
+          <a:lstStyle/>
+          <a:p>
+            <a:r>
+              <a:rPr lang="en-NZ" dirty="0"/>
+              <a:t>Field v Data Sets</a:t>
+            </a:r>
+          </a:p>
+        </p:txBody>
+      </p:sp>
+      <p:sp>
+        <p:nvSpPr>
+          <p:cNvPr id="3" name="Text Placeholder 2">
+            <a:extLst>
+              <a:ext uri="{FF2B5EF4-FFF2-40B4-BE49-F238E27FC236}">
+                <a16:creationId xmlns:a16="http://schemas.microsoft.com/office/drawing/2014/main" id="{D4B9334F-3E8C-458D-A6E5-6776AB03469C}"/>
+              </a:ext>
+            </a:extLst>
+          </p:cNvPr>
+          <p:cNvSpPr>
+            <a:spLocks noGrp="1"/>
+          </p:cNvSpPr>
+          <p:nvPr>
+            <p:ph type="body" idx="1"/>
+          </p:nvPr>
+        </p:nvSpPr>
+        <p:spPr/>
+        <p:txBody>
+          <a:bodyPr/>
+          <a:lstStyle/>
+          <a:p>
+            <a:endParaRPr lang="en-NZ"/>
+          </a:p>
+        </p:txBody>
+      </p:sp>
+    </p:spTree>
+    <p:extLst>
+      <p:ext uri="{BB962C8B-B14F-4D97-AF65-F5344CB8AC3E}">
+        <p14:creationId xmlns:p14="http://schemas.microsoft.com/office/powerpoint/2010/main" val="2163478130"/>
+      </p:ext>
+    </p:extLst>
+  </p:cSld>
+  <p:clrMapOvr>
+    <a:masterClrMapping/>
+  </p:clrMapOvr>
+</p:sld>
+</file>
+
+<file path=ppt/slides/slide6.xml><?xml version="1.0" encoding="utf-8"?>
+<p:sld xmlns:a="http://schemas.openxmlformats.org/drawingml/2006/main" xmlns:r="http://schemas.openxmlformats.org/officeDocument/2006/relationships" xmlns:p="http://schemas.openxmlformats.org/presentationml/2006/main">
+  <p:cSld>
+    <p:spTree>
+      <p:nvGrpSpPr>
+        <p:cNvPr id="1" name=""/>
+        <p:cNvGrpSpPr/>
+        <p:nvPr/>
+      </p:nvGrpSpPr>
+      <p:grpSpPr>
+        <a:xfrm>
+          <a:off x="0" y="0"/>
+          <a:ext cx="0" cy="0"/>
+          <a:chOff x="0" y="0"/>
+          <a:chExt cx="0" cy="0"/>
+        </a:xfrm>
+      </p:grpSpPr>
+      <p:sp>
+        <p:nvSpPr>
+          <p:cNvPr id="2" name="Title 1">
+            <a:extLst>
+              <a:ext uri="{FF2B5EF4-FFF2-40B4-BE49-F238E27FC236}">
+                <a16:creationId xmlns:a16="http://schemas.microsoft.com/office/drawing/2014/main" id="{92B1F8BF-4FF5-4310-850B-51CA42C31E34}"/>
+              </a:ext>
+            </a:extLst>
+          </p:cNvPr>
+          <p:cNvSpPr>
+            <a:spLocks noGrp="1"/>
+          </p:cNvSpPr>
+          <p:nvPr>
+            <p:ph type="title"/>
+          </p:nvPr>
+        </p:nvSpPr>
+        <p:spPr/>
+        <p:txBody>
+          <a:bodyPr/>
+          <a:lstStyle/>
+          <a:p>
+            <a:r>
+              <a:rPr lang="en-NZ" dirty="0"/>
+              <a:t>Learning Curve</a:t>
+            </a:r>
+          </a:p>
+        </p:txBody>
+      </p:sp>
+      <p:sp>
+        <p:nvSpPr>
+          <p:cNvPr id="3" name="Text Placeholder 2">
+            <a:extLst>
+              <a:ext uri="{FF2B5EF4-FFF2-40B4-BE49-F238E27FC236}">
+                <a16:creationId xmlns:a16="http://schemas.microsoft.com/office/drawing/2014/main" id="{023B75BE-2A1F-467C-B717-58875C3B23FF}"/>
+              </a:ext>
+            </a:extLst>
+          </p:cNvPr>
+          <p:cNvSpPr>
+            <a:spLocks noGrp="1"/>
+          </p:cNvSpPr>
+          <p:nvPr>
+            <p:ph type="body" idx="1"/>
+          </p:nvPr>
+        </p:nvSpPr>
+        <p:spPr/>
+        <p:txBody>
+          <a:bodyPr/>
+          <a:lstStyle/>
+          <a:p>
+            <a:r>
+              <a:rPr lang="en-NZ" dirty="0"/>
+              <a:t>What you need to know</a:t>
+            </a:r>
+          </a:p>
+        </p:txBody>
+      </p:sp>
+    </p:spTree>
+    <p:extLst>
+      <p:ext uri="{BB962C8B-B14F-4D97-AF65-F5344CB8AC3E}">
+        <p14:creationId xmlns:p14="http://schemas.microsoft.com/office/powerpoint/2010/main" val="3389835190"/>
+      </p:ext>
+    </p:extLst>
+  </p:cSld>
+  <p:clrMapOvr>
+    <a:masterClrMapping/>
+  </p:clrMapOvr>
+</p:sld>
+</file>
+
+<file path=ppt/slides/slide7.xml><?xml version="1.0" encoding="utf-8"?>
+<p:sld xmlns:a="http://schemas.openxmlformats.org/drawingml/2006/main" xmlns:r="http://schemas.openxmlformats.org/officeDocument/2006/relationships" xmlns:p="http://schemas.openxmlformats.org/presentationml/2006/main">
+  <p:cSld>
+    <p:spTree>
+      <p:nvGrpSpPr>
+        <p:cNvPr id="1" name=""/>
+        <p:cNvGrpSpPr/>
+        <p:nvPr/>
+      </p:nvGrpSpPr>
+      <p:grpSpPr>
+        <a:xfrm>
+          <a:off x="0" y="0"/>
+          <a:ext cx="0" cy="0"/>
+          <a:chOff x="0" y="0"/>
+          <a:chExt cx="0" cy="0"/>
+        </a:xfrm>
+      </p:grpSpPr>
+      <p:sp>
+        <p:nvSpPr>
+          <p:cNvPr id="4" name="Title 3">
+            <a:extLst>
+              <a:ext uri="{FF2B5EF4-FFF2-40B4-BE49-F238E27FC236}">
+                <a16:creationId xmlns:a16="http://schemas.microsoft.com/office/drawing/2014/main" id="{A7AEBFED-6EEC-4E8B-ACCD-7341F8F69754}"/>
+              </a:ext>
+            </a:extLst>
+          </p:cNvPr>
+          <p:cNvSpPr>
+            <a:spLocks noGrp="1"/>
+          </p:cNvSpPr>
+          <p:nvPr>
+            <p:ph type="title"/>
+          </p:nvPr>
+        </p:nvSpPr>
+        <p:spPr/>
+        <p:txBody>
+          <a:bodyPr/>
+          <a:lstStyle/>
+          <a:p>
+            <a:r>
+              <a:rPr lang="en-NZ" dirty="0"/>
+              <a:t>Technologies</a:t>
+            </a:r>
+          </a:p>
+        </p:txBody>
+      </p:sp>
+      <p:sp>
+        <p:nvSpPr>
+          <p:cNvPr id="5" name="Content Placeholder 4">
+            <a:extLst>
+              <a:ext uri="{FF2B5EF4-FFF2-40B4-BE49-F238E27FC236}">
+                <a16:creationId xmlns:a16="http://schemas.microsoft.com/office/drawing/2014/main" id="{7DF1CD12-1642-431F-9FDC-6EC11F45AB60}"/>
+              </a:ext>
+            </a:extLst>
+          </p:cNvPr>
+          <p:cNvSpPr>
+            <a:spLocks noGrp="1"/>
+          </p:cNvSpPr>
+          <p:nvPr>
+            <p:ph idx="1"/>
+          </p:nvPr>
+        </p:nvSpPr>
+        <p:spPr/>
+        <p:txBody>
+          <a:bodyPr/>
+          <a:lstStyle/>
+          <a:p>
+            <a:pPr marL="0" indent="0">
+              <a:buNone/>
+            </a:pPr>
+            <a:r>
+              <a:rPr lang="en-NZ" dirty="0"/>
+              <a:t>NPM</a:t>
+            </a:r>
+          </a:p>
+          <a:p>
+            <a:pPr marL="0" indent="0">
+              <a:buNone/>
+            </a:pPr>
+            <a:endParaRPr lang="en-NZ" dirty="0"/>
+          </a:p>
+          <a:p>
+            <a:pPr marL="0" indent="0">
+              <a:buNone/>
+            </a:pPr>
+            <a:r>
+              <a:rPr lang="en-NZ" dirty="0"/>
+              <a:t>TypeScript</a:t>
+            </a:r>
+          </a:p>
+          <a:p>
+            <a:pPr marL="0" indent="0">
+              <a:buNone/>
+            </a:pPr>
+            <a:endParaRPr lang="en-NZ" dirty="0"/>
+          </a:p>
+          <a:p>
+            <a:pPr marL="0" indent="0">
+              <a:buNone/>
+            </a:pPr>
+            <a:r>
+              <a:rPr lang="en-NZ"/>
+              <a:t>HTML  + CSS</a:t>
+            </a:r>
+            <a:endParaRPr lang="en-NZ" dirty="0"/>
+          </a:p>
+        </p:txBody>
+      </p:sp>
+    </p:spTree>
+    <p:extLst>
+      <p:ext uri="{BB962C8B-B14F-4D97-AF65-F5344CB8AC3E}">
+        <p14:creationId xmlns:p14="http://schemas.microsoft.com/office/powerpoint/2010/main" val="725766411"/>
+      </p:ext>
+    </p:extLst>
+  </p:cSld>
+  <p:clrMapOvr>
+    <a:masterClrMapping/>
+  </p:clrMapOvr>
+</p:sld>
+</file>
+
+<file path=ppt/slides/slide8.xml><?xml version="1.0" encoding="utf-8"?>
+<p:sld xmlns:a="http://schemas.openxmlformats.org/drawingml/2006/main" xmlns:r="http://schemas.openxmlformats.org/officeDocument/2006/relationships" xmlns:p="http://schemas.openxmlformats.org/presentationml/2006/main">
+  <p:cSld>
+    <p:spTree>
+      <p:nvGrpSpPr>
+        <p:cNvPr id="1" name=""/>
+        <p:cNvGrpSpPr/>
+        <p:nvPr/>
+      </p:nvGrpSpPr>
+      <p:grpSpPr>
+        <a:xfrm>
+          <a:off x="0" y="0"/>
+          <a:ext cx="0" cy="0"/>
+          <a:chOff x="0" y="0"/>
+          <a:chExt cx="0" cy="0"/>
+        </a:xfrm>
+      </p:grpSpPr>
+      <p:sp>
+        <p:nvSpPr>
+          <p:cNvPr id="2" name="Title 1">
+            <a:extLst>
+              <a:ext uri="{FF2B5EF4-FFF2-40B4-BE49-F238E27FC236}">
+                <a16:creationId xmlns:a16="http://schemas.microsoft.com/office/drawing/2014/main" id="{1D27EED0-0394-4379-A83F-D69058CE357F}"/>
+              </a:ext>
+            </a:extLst>
+          </p:cNvPr>
+          <p:cNvSpPr>
+            <a:spLocks noGrp="1"/>
+          </p:cNvSpPr>
+          <p:nvPr>
+            <p:ph type="title"/>
+          </p:nvPr>
+        </p:nvSpPr>
+        <p:spPr/>
+        <p:txBody>
+          <a:bodyPr/>
+          <a:lstStyle/>
+          <a:p>
+            <a:r>
+              <a:rPr lang="en-NZ" dirty="0"/>
+              <a:t>Example: Field</a:t>
+            </a:r>
+          </a:p>
+        </p:txBody>
+      </p:sp>
+      <p:sp>
+        <p:nvSpPr>
+          <p:cNvPr id="3" name="Text Placeholder 2">
+            <a:extLst>
+              <a:ext uri="{FF2B5EF4-FFF2-40B4-BE49-F238E27FC236}">
+                <a16:creationId xmlns:a16="http://schemas.microsoft.com/office/drawing/2014/main" id="{09C0D952-7D7D-4AE1-85A1-3AF3B54606AF}"/>
+              </a:ext>
+            </a:extLst>
+          </p:cNvPr>
+          <p:cNvSpPr>
+            <a:spLocks noGrp="1"/>
+          </p:cNvSpPr>
+          <p:nvPr>
+            <p:ph type="body" idx="1"/>
+          </p:nvPr>
+        </p:nvSpPr>
+        <p:spPr/>
+        <p:txBody>
+          <a:bodyPr/>
+          <a:lstStyle/>
+          <a:p>
+            <a:endParaRPr lang="en-NZ"/>
+          </a:p>
+        </p:txBody>
+      </p:sp>
+    </p:spTree>
+    <p:extLst>
+      <p:ext uri="{BB962C8B-B14F-4D97-AF65-F5344CB8AC3E}">
+        <p14:creationId xmlns:p14="http://schemas.microsoft.com/office/powerpoint/2010/main" val="466842721"/>
+      </p:ext>
+    </p:extLst>
+  </p:cSld>
+  <p:clrMapOvr>
+    <a:masterClrMapping/>
+  </p:clrMapOvr>
+</p:sld>
+</file>
+
+<file path=ppt/slides/slide9.xml><?xml version="1.0" encoding="utf-8"?>
+<p:sld xmlns:a="http://schemas.openxmlformats.org/drawingml/2006/main" xmlns:r="http://schemas.openxmlformats.org/officeDocument/2006/relationships" xmlns:p="http://schemas.openxmlformats.org/presentationml/2006/main">
+  <p:cSld>
+    <p:spTree>
+      <p:nvGrpSpPr>
+        <p:cNvPr id="1" name=""/>
+        <p:cNvGrpSpPr/>
+        <p:nvPr/>
+      </p:nvGrpSpPr>
+      <p:grpSpPr>
+        <a:xfrm>
+          <a:off x="0" y="0"/>
+          <a:ext cx="0" cy="0"/>
+          <a:chOff x="0" y="0"/>
+          <a:chExt cx="0" cy="0"/>
+        </a:xfrm>
+      </p:grpSpPr>
+      <p:sp>
+        <p:nvSpPr>
+          <p:cNvPr id="2" name="Title 1">
+            <a:extLst>
+              <a:ext uri="{FF2B5EF4-FFF2-40B4-BE49-F238E27FC236}">
+                <a16:creationId xmlns:a16="http://schemas.microsoft.com/office/drawing/2014/main" id="{D1618575-30E9-4FA1-A520-E043237A631C}"/>
+              </a:ext>
+            </a:extLst>
+          </p:cNvPr>
+          <p:cNvSpPr>
+            <a:spLocks noGrp="1"/>
+          </p:cNvSpPr>
+          <p:nvPr>
+            <p:ph type="title"/>
+          </p:nvPr>
+        </p:nvSpPr>
+        <p:spPr/>
+        <p:txBody>
+          <a:bodyPr/>
+          <a:lstStyle/>
+          <a:p>
+            <a:r>
+              <a:rPr lang="en-NZ" dirty="0"/>
+              <a:t>Example: Data Set</a:t>
+            </a:r>
+          </a:p>
+        </p:txBody>
+      </p:sp>
+      <p:sp>
+        <p:nvSpPr>
+          <p:cNvPr id="3" name="Text Placeholder 2">
+            <a:extLst>
+              <a:ext uri="{FF2B5EF4-FFF2-40B4-BE49-F238E27FC236}">
+                <a16:creationId xmlns:a16="http://schemas.microsoft.com/office/drawing/2014/main" id="{E183F97A-0B8A-4938-997B-65FB90220325}"/>
+              </a:ext>
+            </a:extLst>
+          </p:cNvPr>
+          <p:cNvSpPr>
+            <a:spLocks noGrp="1"/>
+          </p:cNvSpPr>
+          <p:nvPr>
+            <p:ph type="body" idx="1"/>
+          </p:nvPr>
+        </p:nvSpPr>
+        <p:spPr/>
+        <p:txBody>
+          <a:bodyPr/>
+          <a:lstStyle/>
+          <a:p>
+            <a:endParaRPr lang="en-NZ"/>
+          </a:p>
+        </p:txBody>
+      </p:sp>
+    </p:spTree>
+    <p:extLst>
+      <p:ext uri="{BB962C8B-B14F-4D97-AF65-F5344CB8AC3E}">
+        <p14:creationId xmlns:p14="http://schemas.microsoft.com/office/powerpoint/2010/main" val="2525035854"/>
       </p:ext>
     </p:extLst>
   </p:cSld>
